--- a/Report2/ภาพประกอบรายงาน/หน้าปกคลิป.pptx
+++ b/Report2/ภาพประกอบรายงาน/หน้าปกคลิป.pptx
@@ -104,6 +104,11 @@
       </a:defRPr>
     </a:lvl9pPr>
   </p:defaultTextStyle>
+  <p:extLst>
+    <p:ext uri="{EFAFB233-063F-42B5-8137-9DF3F51BA10A}">
+      <p15:sldGuideLst xmlns:p15="http://schemas.microsoft.com/office/powerpoint/2012/main"/>
+    </p:ext>
+  </p:extLst>
 </p:presentation>
 </file>
 
@@ -254,7 +259,7 @@
           <a:p>
             <a:fld id="{C078779B-08F5-4AC1-9E46-2DE8916DD5AD}" type="datetimeFigureOut">
               <a:rPr lang="en-US" smtClean="0"/>
-              <a:t>5/10/2023</a:t>
+              <a:t>5/17/2023</a:t>
             </a:fld>
             <a:endParaRPr lang="en-US"/>
           </a:p>
@@ -452,7 +457,7 @@
           <a:p>
             <a:fld id="{C078779B-08F5-4AC1-9E46-2DE8916DD5AD}" type="datetimeFigureOut">
               <a:rPr lang="en-US" smtClean="0"/>
-              <a:t>5/10/2023</a:t>
+              <a:t>5/17/2023</a:t>
             </a:fld>
             <a:endParaRPr lang="en-US"/>
           </a:p>
@@ -660,7 +665,7 @@
           <a:p>
             <a:fld id="{C078779B-08F5-4AC1-9E46-2DE8916DD5AD}" type="datetimeFigureOut">
               <a:rPr lang="en-US" smtClean="0"/>
-              <a:t>5/10/2023</a:t>
+              <a:t>5/17/2023</a:t>
             </a:fld>
             <a:endParaRPr lang="en-US"/>
           </a:p>
@@ -858,7 +863,7 @@
           <a:p>
             <a:fld id="{C078779B-08F5-4AC1-9E46-2DE8916DD5AD}" type="datetimeFigureOut">
               <a:rPr lang="en-US" smtClean="0"/>
-              <a:t>5/10/2023</a:t>
+              <a:t>5/17/2023</a:t>
             </a:fld>
             <a:endParaRPr lang="en-US"/>
           </a:p>
@@ -1133,7 +1138,7 @@
           <a:p>
             <a:fld id="{C078779B-08F5-4AC1-9E46-2DE8916DD5AD}" type="datetimeFigureOut">
               <a:rPr lang="en-US" smtClean="0"/>
-              <a:t>5/10/2023</a:t>
+              <a:t>5/17/2023</a:t>
             </a:fld>
             <a:endParaRPr lang="en-US"/>
           </a:p>
@@ -1398,7 +1403,7 @@
           <a:p>
             <a:fld id="{C078779B-08F5-4AC1-9E46-2DE8916DD5AD}" type="datetimeFigureOut">
               <a:rPr lang="en-US" smtClean="0"/>
-              <a:t>5/10/2023</a:t>
+              <a:t>5/17/2023</a:t>
             </a:fld>
             <a:endParaRPr lang="en-US"/>
           </a:p>
@@ -1810,7 +1815,7 @@
           <a:p>
             <a:fld id="{C078779B-08F5-4AC1-9E46-2DE8916DD5AD}" type="datetimeFigureOut">
               <a:rPr lang="en-US" smtClean="0"/>
-              <a:t>5/10/2023</a:t>
+              <a:t>5/17/2023</a:t>
             </a:fld>
             <a:endParaRPr lang="en-US"/>
           </a:p>
@@ -1951,7 +1956,7 @@
           <a:p>
             <a:fld id="{C078779B-08F5-4AC1-9E46-2DE8916DD5AD}" type="datetimeFigureOut">
               <a:rPr lang="en-US" smtClean="0"/>
-              <a:t>5/10/2023</a:t>
+              <a:t>5/17/2023</a:t>
             </a:fld>
             <a:endParaRPr lang="en-US"/>
           </a:p>
@@ -2064,7 +2069,7 @@
           <a:p>
             <a:fld id="{C078779B-08F5-4AC1-9E46-2DE8916DD5AD}" type="datetimeFigureOut">
               <a:rPr lang="en-US" smtClean="0"/>
-              <a:t>5/10/2023</a:t>
+              <a:t>5/17/2023</a:t>
             </a:fld>
             <a:endParaRPr lang="en-US"/>
           </a:p>
@@ -2375,7 +2380,7 @@
           <a:p>
             <a:fld id="{C078779B-08F5-4AC1-9E46-2DE8916DD5AD}" type="datetimeFigureOut">
               <a:rPr lang="en-US" smtClean="0"/>
-              <a:t>5/10/2023</a:t>
+              <a:t>5/17/2023</a:t>
             </a:fld>
             <a:endParaRPr lang="en-US"/>
           </a:p>
@@ -2663,7 +2668,7 @@
           <a:p>
             <a:fld id="{C078779B-08F5-4AC1-9E46-2DE8916DD5AD}" type="datetimeFigureOut">
               <a:rPr lang="en-US" smtClean="0"/>
-              <a:t>5/10/2023</a:t>
+              <a:t>5/17/2023</a:t>
             </a:fld>
             <a:endParaRPr lang="en-US"/>
           </a:p>
@@ -2904,7 +2909,7 @@
           <a:p>
             <a:fld id="{C078779B-08F5-4AC1-9E46-2DE8916DD5AD}" type="datetimeFigureOut">
               <a:rPr lang="en-US" smtClean="0"/>
-              <a:t>5/10/2023</a:t>
+              <a:t>5/17/2023</a:t>
             </a:fld>
             <a:endParaRPr lang="en-US"/>
           </a:p>
@@ -3372,7 +3377,7 @@
         <p:spPr>
           <a:xfrm>
             <a:off x="1039362" y="1760849"/>
-            <a:ext cx="10113276" cy="5815438"/>
+            <a:ext cx="10113276" cy="6038704"/>
           </a:xfrm>
           <a:prstGeom prst="rect">
             <a:avLst/>
@@ -3401,7 +3406,7 @@
                 <a:latin typeface="Angsana New" panose="02020603050405020304" pitchFamily="18" charset="-34"/>
                 <a:cs typeface="TH Sarabun New" panose="020B0500040200020003" pitchFamily="34" charset="-34"/>
               </a:rPr>
-              <a:t>ระบบคาดการณ์ผลลัพธ์การผลิตบัณฑิตของหลักสูตร จากข้อมูลผลการเรียนของนักศึกษา</a:t>
+              <a:t>ระบบคาดการณ์ผลลัพธ์การผลิตบัณฑิตของหลักสูตรจากข้อมูลผลการเรียนของนักศึกษา</a:t>
             </a:r>
             <a:endParaRPr lang="en-US" sz="2800" b="1" dirty="0">
               <a:latin typeface="Angsana New" panose="02020603050405020304" pitchFamily="18" charset="-34"/>
@@ -3601,11 +3606,30 @@
                 <a:spcPts val="240"/>
               </a:spcAft>
             </a:pPr>
-            <a:endParaRPr lang="th-TH" sz="2800" dirty="0">
-              <a:effectLst/>
-              <a:latin typeface="TH Sarabun New" panose="020B0500040200020003" pitchFamily="34" charset="-34"/>
-              <a:ea typeface="TH Sarabun New" panose="020B0500040200020003" pitchFamily="34" charset="-34"/>
-              <a:cs typeface="Angsana New" panose="02020603050405020304" pitchFamily="18" charset="-34"/>
+            <a:r>
+              <a:rPr lang="en-US" sz="2000" dirty="0">
+                <a:latin typeface="Angsana New" panose="02020603050405020304" pitchFamily="18" charset="-34"/>
+                <a:cs typeface="TH Sarabun New" panose="020B0500040200020003" pitchFamily="34" charset="-34"/>
+              </a:rPr>
+              <a:t>Data Analytic, Prediction, Web Application</a:t>
+            </a:r>
+            <a:endParaRPr lang="th-TH" sz="2000" dirty="0">
+              <a:latin typeface="Angsana New" panose="02020603050405020304" pitchFamily="18" charset="-34"/>
+              <a:cs typeface="TH Sarabun New" panose="020B0500040200020003" pitchFamily="34" charset="-34"/>
+            </a:endParaRPr>
+          </a:p>
+          <a:p>
+            <a:pPr algn="ctr">
+              <a:lnSpc>
+                <a:spcPct val="107000"/>
+              </a:lnSpc>
+              <a:spcAft>
+                <a:spcPts val="240"/>
+              </a:spcAft>
+            </a:pPr>
+            <a:endParaRPr lang="th-TH" sz="2000" dirty="0">
+              <a:latin typeface="Angsana New" panose="02020603050405020304" pitchFamily="18" charset="-34"/>
+              <a:cs typeface="TH Sarabun New" panose="020B0500040200020003" pitchFamily="34" charset="-34"/>
             </a:endParaRPr>
           </a:p>
           <a:p>
